--- a/DOC/240927_리턴메모리 및 namespace.pptx
+++ b/DOC/240927_리턴메모리 및 namespace.pptx
@@ -8,8 +8,8 @@
     <p:sldId id="306" r:id="rId2"/>
     <p:sldId id="314" r:id="rId3"/>
     <p:sldId id="316" r:id="rId4"/>
-    <p:sldId id="315" r:id="rId5"/>
-    <p:sldId id="317" r:id="rId6"/>
+    <p:sldId id="317" r:id="rId5"/>
+    <p:sldId id="315" r:id="rId6"/>
     <p:sldId id="318" r:id="rId7"/>
     <p:sldId id="304" r:id="rId8"/>
     <p:sldId id="305" r:id="rId9"/>
@@ -228,6 +228,34 @@
     </inkml:brush>
   </inkml:definitions>
   <inkml:trace contextRef="#ctx0" brushRef="#br0">4009 157 24575,'-2465'0'0,"2435"2"0,-1 1 0,1 2 0,-47 13 0,-37 6 0,-69 14 0,3 0 0,98-24 0,0 4 0,1 3 0,2 3 0,0 4 0,-129 66 0,169-75 0,15-8 0,1 0 0,1 1 0,0 1 0,0 1 0,2 1 0,-34 30 0,47-36 0,1 0 0,-1 0 0,2 0 0,-1 1 0,1 0 0,1 0 0,0 0 0,0 0 0,1 1 0,0 0 0,-2 15 0,4-9 0,0 0 0,1 0 0,1 0 0,0 0 0,1 0 0,8 29 0,2-7 0,2-1 0,1-1 0,2 0 0,2-1 0,34 49 0,-32-59 0,2 0 0,0-2 0,2-1 0,1 0 0,0-2 0,53 31 0,-39-26 0,1-3 0,1-1 0,1-2 0,1-2 0,1-1 0,0-3 0,64 11 0,-54-19 0,74-4 0,43 4 0,409 13-573,-133-12 312,490 10-980,-691-18 1137,-53-4-302,248-37-1,-174-6 2740,-63-8-1742,-137 35-523,0 1-68,120-20 0,-123 30 0,-20 3 0,76-2 0,992 10 0,-1069-3 0,50-9 0,20-1 0,-70 9 0,0-2 0,0-2 0,-1-2 0,0-2 0,42-17 0,-78 25 0,-1 0 0,0 0 0,0-1 0,0 1 0,-1-1 0,1-1 0,-1 1 0,0-1 0,0 0 0,0 0 0,-1 0 0,0-1 0,0 1 0,0-1 0,-1 0 0,0-1 0,0 1 0,0 0 0,-1-1 0,0 1 0,0-1 0,1-8 0,0-11 0,-1 0 0,0 0 0,-2 0 0,-6-42 0,4 56 0,0-1 0,-1 1 0,-1-1 0,0 1 0,-1 0 0,0 0 0,-1 1 0,0 0 0,0 0 0,-15-17 0,0 2 0,-2 1 0,-47-41 0,4 13-57,-3 3-1,-2 2 1,-2 4-1,-113-50 1,70 45-39,-1 6 0,-173-40 0,-441-66-979,-16 83 1075,-5 59 1287,425 9-924,313-1-363,0 0 0,0 0 0,0 1 0,1 1 0,-1 0 0,1 1 0,-1 1 0,1 0 0,1 0 0,-1 1 0,1 1 0,0 0 0,0 1 0,-10 9 0,-10 11 0,2 2 0,1 1 0,-30 43 0,54-67 0,-7 6-114,2-1 1,0 2-1,1-1 0,0 2 0,1-1 1,0 1-1,2 0 0,-1 1 0,2-1 1,0 1-1,-3 19 0,7-15-6712</inkml:trace>
+</inkml:ink>
+</file>
+
+<file path=ppt/ink/ink5.xml><?xml version="1.0" encoding="utf-8"?>
+<inkml:ink xmlns:inkml="http://www.w3.org/2003/InkML">
+  <inkml:definitions>
+    <inkml:context xml:id="ctx0">
+      <inkml:inkSource xml:id="inkSrc0">
+        <inkml:traceFormat>
+          <inkml:channel name="X" type="integer" min="-2.14748E9" max="2.14748E9" units="cm"/>
+          <inkml:channel name="Y" type="integer" min="-2.14748E9" max="2.14748E9" units="cm"/>
+          <inkml:channel name="F" type="integer" max="32767" units="dev"/>
+        </inkml:traceFormat>
+        <inkml:channelProperties>
+          <inkml:channelProperty channel="X" name="resolution" value="1000" units="1/cm"/>
+          <inkml:channelProperty channel="Y" name="resolution" value="1000" units="1/cm"/>
+          <inkml:channelProperty channel="F" name="resolution" value="0" units="1/dev"/>
+        </inkml:channelProperties>
+      </inkml:inkSource>
+      <inkml:timestamp xml:id="ts0" timeString="2024-09-27T02:40:07.981"/>
+    </inkml:context>
+    <inkml:brush xml:id="br0">
+      <inkml:brushProperty name="width" value="0.035" units="cm"/>
+      <inkml:brushProperty name="height" value="0.035" units="cm"/>
+      <inkml:brushProperty name="color" value="#E71224"/>
+    </inkml:brush>
+  </inkml:definitions>
+  <inkml:trace contextRef="#ctx0" brushRef="#br0">362 236 24575,'-5'1'0,"0"-1"0,0 1 0,0 1 0,0-1 0,0 0 0,0 1 0,1 0 0,-1 0 0,1 1 0,-7 3 0,-46 37 0,28-20 0,-125 80 0,149-99 0,0 1 0,1 0 0,0-1 0,0 1 0,0 1 0,0-1 0,1 1 0,0-1 0,0 1 0,1 0 0,-1 0 0,1 0 0,0 0 0,-1 9 0,-1 6 0,1 0 0,0 42 0,2-20 0,0-9 0,1 0 0,6 36 0,-5-60 0,2 1 0,-1 0 0,1 0 0,1-1 0,0 0 0,0 0 0,1 0 0,0 0 0,1-1 0,10 13 0,17 15 0,2-2 0,2-1 0,1-2 0,1-1 0,2-2 0,1-2 0,1-2 0,47 20 0,-48-27 0,1-2 0,0-1 0,1-3 0,0-2 0,1-1 0,88 5 0,252-15 0,-371 0 0,-1-1 0,1 0 0,0 0 0,-1-1 0,0-1 0,0 0 0,18-9 0,86-50 0,-103 54 0,9-6 0,-1-1 0,0-2 0,-2 0 0,0-1 0,-1-1 0,-1 0 0,0-2 0,-2 0 0,-1-1 0,23-45 0,-32 52 0,-1 0 0,0 0 0,-1-1 0,0 1 0,-2-1 0,1-22 0,-2 0 0,-6-63 0,0 81 0,-1 0 0,-1 0 0,0 1 0,-2 0 0,0 0 0,-1 1 0,-2 0 0,1 1 0,-21-23 0,-15-17 0,-3 2 0,-3 3 0,-66-53 0,91 84 0,0 1 0,-2 1 0,0 2 0,-1 1 0,-1 1 0,-1 2 0,0 2 0,-1 0 0,-36-6 0,14 12 0,0 3 0,-77 6 0,24 0 0,29-5 0,45-1 0,1 2 0,0 2 0,-1 1 0,1 2 0,-46 11 0,63-9-51,0 2-1,1 0 1,0 1 0,0 0-1,1 2 1,1 0-1,-1 0 1,-11 14 0,3-5-852,11-10-5923</inkml:trace>
 </inkml:ink>
 </file>
 
@@ -4065,7 +4093,7 @@
         <p:spPr>
           <a:xfrm>
             <a:off x="6096000" y="637309"/>
-            <a:ext cx="5291833" cy="2031325"/>
+            <a:ext cx="5291833" cy="1477328"/>
           </a:xfrm>
           <a:prstGeom prst="rect">
             <a:avLst/>
@@ -4085,9 +4113,6 @@
             <a:endParaRPr lang="en-US" altLang="ko-KR" dirty="0"/>
           </a:p>
           <a:p>
-            <a:endParaRPr lang="en-US" altLang="ko-KR" dirty="0"/>
-          </a:p>
-          <a:p>
             <a:r>
               <a:rPr lang="ko-KR" altLang="en-US" dirty="0"/>
               <a:t>기능을 제외하고는 없다</a:t>
@@ -4105,21 +4130,69 @@
             <a:endParaRPr lang="en-US" altLang="ko-KR" dirty="0"/>
           </a:p>
           <a:p>
-            <a:endParaRPr lang="en-US" altLang="ko-KR" dirty="0"/>
-          </a:p>
-          <a:p>
             <a:r>
               <a:rPr lang="ko-KR" altLang="en-US" dirty="0"/>
               <a:t>네임스페이스의 이름이 붙는다</a:t>
             </a:r>
             <a:r>
-              <a:rPr lang="en-US" altLang="ko-KR"/>
+              <a:rPr lang="en-US" altLang="ko-KR" dirty="0"/>
               <a:t>.</a:t>
             </a:r>
-            <a:endParaRPr lang="ko-KR" altLang="en-US"/>
-          </a:p>
-        </p:txBody>
-      </p:sp>
+            <a:endParaRPr lang="ko-KR" altLang="en-US" dirty="0"/>
+          </a:p>
+        </p:txBody>
+      </p:sp>
+      <mc:AlternateContent xmlns:mc="http://schemas.openxmlformats.org/markup-compatibility/2006">
+        <mc:Choice xmlns:p14="http://schemas.microsoft.com/office/powerpoint/2010/main" Requires="p14">
+          <p:contentPart p14:bwMode="auto" r:id="rId3">
+            <p14:nvContentPartPr>
+              <p14:cNvPr id="5" name="잉크 4">
+                <a:extLst>
+                  <a:ext uri="{FF2B5EF4-FFF2-40B4-BE49-F238E27FC236}">
+                    <a16:creationId xmlns:a16="http://schemas.microsoft.com/office/drawing/2014/main" id="{17DC10EB-BF68-788C-E7E7-04BE87040802}"/>
+                  </a:ext>
+                </a:extLst>
+              </p14:cNvPr>
+              <p14:cNvContentPartPr/>
+              <p14:nvPr/>
+            </p14:nvContentPartPr>
+            <p14:xfrm>
+              <a:off x="2058655" y="912429"/>
+              <a:ext cx="631440" cy="473400"/>
+            </p14:xfrm>
+          </p:contentPart>
+        </mc:Choice>
+        <mc:Fallback>
+          <p:pic>
+            <p:nvPicPr>
+              <p:cNvPr id="5" name="잉크 4">
+                <a:extLst>
+                  <a:ext uri="{FF2B5EF4-FFF2-40B4-BE49-F238E27FC236}">
+                    <a16:creationId xmlns:a16="http://schemas.microsoft.com/office/drawing/2014/main" id="{17DC10EB-BF68-788C-E7E7-04BE87040802}"/>
+                  </a:ext>
+                </a:extLst>
+              </p:cNvPr>
+              <p:cNvPicPr/>
+              <p:nvPr/>
+            </p:nvPicPr>
+            <p:blipFill>
+              <a:blip r:embed="rId4"/>
+              <a:stretch>
+                <a:fillRect/>
+              </a:stretch>
+            </p:blipFill>
+            <p:spPr>
+              <a:xfrm>
+                <a:off x="2052535" y="906309"/>
+                <a:ext cx="643680" cy="485640"/>
+              </a:xfrm>
+              <a:prstGeom prst="rect">
+                <a:avLst/>
+              </a:prstGeom>
+            </p:spPr>
+          </p:pic>
+        </mc:Fallback>
+      </mc:AlternateContent>
     </p:spTree>
     <p:extLst>
       <p:ext uri="{BB962C8B-B14F-4D97-AF65-F5344CB8AC3E}">
@@ -4155,7 +4228,7 @@
           <p:cNvPr id="3" name="그림 2">
             <a:extLst>
               <a:ext uri="{FF2B5EF4-FFF2-40B4-BE49-F238E27FC236}">
-                <a16:creationId xmlns:a16="http://schemas.microsoft.com/office/drawing/2014/main" id="{3DD123D9-FA31-EB6C-ABBE-1F24634D95ED}"/>
+                <a16:creationId xmlns:a16="http://schemas.microsoft.com/office/drawing/2014/main" id="{8805730A-1A1B-2034-1633-19B0F6A6CD5E}"/>
               </a:ext>
             </a:extLst>
           </p:cNvPr>
@@ -4172,8 +4245,38 @@
         </p:blipFill>
         <p:spPr>
           <a:xfrm>
-            <a:off x="663476" y="889986"/>
-            <a:ext cx="5563376" cy="4486901"/>
+            <a:off x="955686" y="1083949"/>
+            <a:ext cx="3962953" cy="4486901"/>
+          </a:xfrm>
+          <a:prstGeom prst="rect">
+            <a:avLst/>
+          </a:prstGeom>
+        </p:spPr>
+      </p:pic>
+      <p:pic>
+        <p:nvPicPr>
+          <p:cNvPr id="5" name="그림 4">
+            <a:extLst>
+              <a:ext uri="{FF2B5EF4-FFF2-40B4-BE49-F238E27FC236}">
+                <a16:creationId xmlns:a16="http://schemas.microsoft.com/office/drawing/2014/main" id="{C724FD27-41F2-FD74-6219-193033F1EA01}"/>
+              </a:ext>
+            </a:extLst>
+          </p:cNvPr>
+          <p:cNvPicPr>
+            <a:picLocks noChangeAspect="1"/>
+          </p:cNvPicPr>
+          <p:nvPr/>
+        </p:nvPicPr>
+        <p:blipFill>
+          <a:blip r:embed="rId3"/>
+          <a:stretch>
+            <a:fillRect/>
+          </a:stretch>
+        </p:blipFill>
+        <p:spPr>
+          <a:xfrm>
+            <a:off x="6217100" y="1174368"/>
+            <a:ext cx="5012235" cy="4396482"/>
           </a:xfrm>
           <a:prstGeom prst="rect">
             <a:avLst/>
@@ -4183,7 +4286,7 @@
     </p:spTree>
     <p:extLst>
       <p:ext uri="{BB962C8B-B14F-4D97-AF65-F5344CB8AC3E}">
-        <p14:creationId xmlns:p14="http://schemas.microsoft.com/office/powerpoint/2010/main" val="510882612"/>
+        <p14:creationId xmlns:p14="http://schemas.microsoft.com/office/powerpoint/2010/main" val="273059748"/>
       </p:ext>
     </p:extLst>
   </p:cSld>
@@ -4210,10 +4313,40 @@
           <a:chExt cx="0" cy="0"/>
         </a:xfrm>
       </p:grpSpPr>
+      <p:pic>
+        <p:nvPicPr>
+          <p:cNvPr id="3" name="그림 2">
+            <a:extLst>
+              <a:ext uri="{FF2B5EF4-FFF2-40B4-BE49-F238E27FC236}">
+                <a16:creationId xmlns:a16="http://schemas.microsoft.com/office/drawing/2014/main" id="{3DD123D9-FA31-EB6C-ABBE-1F24634D95ED}"/>
+              </a:ext>
+            </a:extLst>
+          </p:cNvPr>
+          <p:cNvPicPr>
+            <a:picLocks noChangeAspect="1"/>
+          </p:cNvPicPr>
+          <p:nvPr/>
+        </p:nvPicPr>
+        <p:blipFill>
+          <a:blip r:embed="rId2"/>
+          <a:stretch>
+            <a:fillRect/>
+          </a:stretch>
+        </p:blipFill>
+        <p:spPr>
+          <a:xfrm>
+            <a:off x="645003" y="1591950"/>
+            <a:ext cx="5563376" cy="4486901"/>
+          </a:xfrm>
+          <a:prstGeom prst="rect">
+            <a:avLst/>
+          </a:prstGeom>
+        </p:spPr>
+      </p:pic>
     </p:spTree>
     <p:extLst>
       <p:ext uri="{BB962C8B-B14F-4D97-AF65-F5344CB8AC3E}">
-        <p14:creationId xmlns:p14="http://schemas.microsoft.com/office/powerpoint/2010/main" val="273059748"/>
+        <p14:creationId xmlns:p14="http://schemas.microsoft.com/office/powerpoint/2010/main" val="510882612"/>
       </p:ext>
     </p:extLst>
   </p:cSld>
